--- a/assets/presentation/Presentazione_Counter.pptx
+++ b/assets/presentation/Presentazione_Counter.pptx
@@ -5,7 +5,7 @@
     <p:sldMasterId id="2147483648" r:id="rId1"/>
   </p:sldMasterIdLst>
   <p:notesMasterIdLst>
-    <p:notesMasterId r:id="rId15"/>
+    <p:notesMasterId r:id="rId14"/>
   </p:notesMasterIdLst>
   <p:sldIdLst>
     <p:sldId id="257" r:id="rId2"/>
@@ -16,11 +16,10 @@
     <p:sldId id="275" r:id="rId7"/>
     <p:sldId id="274" r:id="rId8"/>
     <p:sldId id="269" r:id="rId9"/>
-    <p:sldId id="272" r:id="rId10"/>
-    <p:sldId id="276" r:id="rId11"/>
-    <p:sldId id="273" r:id="rId12"/>
-    <p:sldId id="271" r:id="rId13"/>
-    <p:sldId id="277" r:id="rId14"/>
+    <p:sldId id="276" r:id="rId10"/>
+    <p:sldId id="273" r:id="rId11"/>
+    <p:sldId id="271" r:id="rId12"/>
+    <p:sldId id="277" r:id="rId13"/>
   </p:sldIdLst>
   <p:sldSz cx="12192000" cy="6858000"/>
   <p:notesSz cx="6858000" cy="9144000"/>
@@ -209,7 +208,7 @@
           <a:p>
             <a:fld id="{53EA131C-FDEA-4DB5-8B04-E97A7817AF64}" type="datetimeFigureOut">
               <a:rPr lang="it-IT" smtClean="0"/>
-              <a:t>05/07/2022</a:t>
+              <a:t>07/07/2022</a:t>
             </a:fld>
             <a:endParaRPr lang="it-IT"/>
           </a:p>
@@ -679,7 +678,7 @@
     </p:spTree>
     <p:extLst>
       <p:ext uri="{BB962C8B-B14F-4D97-AF65-F5344CB8AC3E}">
-        <p14:creationId xmlns:p14="http://schemas.microsoft.com/office/powerpoint/2010/main" val="680868707"/>
+        <p14:creationId xmlns:p14="http://schemas.microsoft.com/office/powerpoint/2010/main" val="2441261380"/>
       </p:ext>
     </p:extLst>
   </p:cSld>
@@ -694,7 +693,7 @@
   <p:cSld>
     <p:spTree>
       <p:nvGrpSpPr>
-        <p:cNvPr id="1" name="Shape 59"/>
+        <p:cNvPr id="1" name="Shape 193"/>
         <p:cNvGrpSpPr/>
         <p:nvPr/>
       </p:nvGrpSpPr>
@@ -708,7 +707,7 @@
       </p:grpSpPr>
       <p:sp>
         <p:nvSpPr>
-          <p:cNvPr id="60" name="Google Shape;60;g114bbfd648d_0_11:notes"/>
+          <p:cNvPr id="194" name="Google Shape;194;g10e310e8312_0_13:notes"/>
           <p:cNvSpPr>
             <a:spLocks noGrp="1" noRot="1" noChangeAspect="1"/>
           </p:cNvSpPr>
@@ -749,7 +748,7 @@
       </p:sp>
       <p:sp>
         <p:nvSpPr>
-          <p:cNvPr id="61" name="Google Shape;61;g114bbfd648d_0_11:notes"/>
+          <p:cNvPr id="195" name="Google Shape;195;g10e310e8312_0_13:notes"/>
           <p:cNvSpPr txBox="1">
             <a:spLocks noGrp="1"/>
           </p:cNvSpPr>
@@ -786,11 +785,6 @@
         </p:txBody>
       </p:sp>
     </p:spTree>
-    <p:extLst>
-      <p:ext uri="{BB962C8B-B14F-4D97-AF65-F5344CB8AC3E}">
-        <p14:creationId xmlns:p14="http://schemas.microsoft.com/office/powerpoint/2010/main" val="2441261380"/>
-      </p:ext>
-    </p:extLst>
   </p:cSld>
   <p:clrMapOvr>
     <a:masterClrMapping/>
@@ -799,110 +793,6 @@
 </file>
 
 <file path=ppt/notesSlides/notesSlide12.xml><?xml version="1.0" encoding="utf-8"?>
-<p:notes xmlns:a="http://schemas.openxmlformats.org/drawingml/2006/main" xmlns:r="http://schemas.openxmlformats.org/officeDocument/2006/relationships" xmlns:p="http://schemas.openxmlformats.org/presentationml/2006/main" showMasterSp="0" showMasterPhAnim="0">
-  <p:cSld>
-    <p:spTree>
-      <p:nvGrpSpPr>
-        <p:cNvPr id="1" name="Shape 193"/>
-        <p:cNvGrpSpPr/>
-        <p:nvPr/>
-      </p:nvGrpSpPr>
-      <p:grpSpPr>
-        <a:xfrm>
-          <a:off x="0" y="0"/>
-          <a:ext cx="0" cy="0"/>
-          <a:chOff x="0" y="0"/>
-          <a:chExt cx="0" cy="0"/>
-        </a:xfrm>
-      </p:grpSpPr>
-      <p:sp>
-        <p:nvSpPr>
-          <p:cNvPr id="194" name="Google Shape;194;g10e310e8312_0_13:notes"/>
-          <p:cNvSpPr>
-            <a:spLocks noGrp="1" noRot="1" noChangeAspect="1"/>
-          </p:cNvSpPr>
-          <p:nvPr>
-            <p:ph type="sldImg" idx="2"/>
-          </p:nvPr>
-        </p:nvSpPr>
-        <p:spPr>
-          <a:xfrm>
-            <a:off x="381000" y="685800"/>
-            <a:ext cx="6096000" cy="3429000"/>
-          </a:xfrm>
-          <a:custGeom>
-            <a:avLst/>
-            <a:gdLst/>
-            <a:ahLst/>
-            <a:cxnLst/>
-            <a:rect l="l" t="t" r="r" b="b"/>
-            <a:pathLst>
-              <a:path w="120000" h="120000" extrusionOk="0">
-                <a:moveTo>
-                  <a:pt x="0" y="0"/>
-                </a:moveTo>
-                <a:lnTo>
-                  <a:pt x="120000" y="0"/>
-                </a:lnTo>
-                <a:lnTo>
-                  <a:pt x="120000" y="120000"/>
-                </a:lnTo>
-                <a:lnTo>
-                  <a:pt x="0" y="120000"/>
-                </a:lnTo>
-                <a:close/>
-              </a:path>
-            </a:pathLst>
-          </a:custGeom>
-        </p:spPr>
-      </p:sp>
-      <p:sp>
-        <p:nvSpPr>
-          <p:cNvPr id="195" name="Google Shape;195;g10e310e8312_0_13:notes"/>
-          <p:cNvSpPr txBox="1">
-            <a:spLocks noGrp="1"/>
-          </p:cNvSpPr>
-          <p:nvPr>
-            <p:ph type="body" idx="1"/>
-          </p:nvPr>
-        </p:nvSpPr>
-        <p:spPr>
-          <a:xfrm>
-            <a:off x="685800" y="4343400"/>
-            <a:ext cx="5486400" cy="4114800"/>
-          </a:xfrm>
-          <a:prstGeom prst="rect">
-            <a:avLst/>
-          </a:prstGeom>
-        </p:spPr>
-        <p:txBody>
-          <a:bodyPr spcFirstLastPara="1" wrap="square" lIns="91425" tIns="91425" rIns="91425" bIns="91425" anchor="t" anchorCtr="0">
-            <a:noAutofit/>
-          </a:bodyPr>
-          <a:lstStyle/>
-          <a:p>
-            <a:pPr marL="0" lvl="0" indent="0" algn="l" rtl="0">
-              <a:spcBef>
-                <a:spcPts val="0"/>
-              </a:spcBef>
-              <a:spcAft>
-                <a:spcPts val="0"/>
-              </a:spcAft>
-              <a:buNone/>
-            </a:pPr>
-            <a:endParaRPr dirty="0"/>
-          </a:p>
-        </p:txBody>
-      </p:sp>
-    </p:spTree>
-  </p:cSld>
-  <p:clrMapOvr>
-    <a:masterClrMapping/>
-  </p:clrMapOvr>
-</p:notes>
-</file>
-
-<file path=ppt/notesSlides/notesSlide13.xml><?xml version="1.0" encoding="utf-8"?>
 <p:notes xmlns:a="http://schemas.openxmlformats.org/drawingml/2006/main" xmlns:r="http://schemas.openxmlformats.org/officeDocument/2006/relationships" xmlns:p="http://schemas.openxmlformats.org/presentationml/2006/main" showMasterSp="0" showMasterPhAnim="0">
   <p:cSld>
     <p:spTree>
@@ -1863,7 +1753,7 @@
     </p:spTree>
     <p:extLst>
       <p:ext uri="{BB962C8B-B14F-4D97-AF65-F5344CB8AC3E}">
-        <p14:creationId xmlns:p14="http://schemas.microsoft.com/office/powerpoint/2010/main" val="663990975"/>
+        <p14:creationId xmlns:p14="http://schemas.microsoft.com/office/powerpoint/2010/main" val="680868707"/>
       </p:ext>
     </p:extLst>
   </p:cSld>
@@ -2020,7 +1910,7 @@
           <a:p>
             <a:fld id="{8F4123FD-8503-424E-BB0E-06AF7306D130}" type="datetimeFigureOut">
               <a:rPr lang="it-IT" smtClean="0"/>
-              <a:t>05/07/2022</a:t>
+              <a:t>07/07/2022</a:t>
             </a:fld>
             <a:endParaRPr lang="it-IT"/>
           </a:p>
@@ -2218,7 +2108,7 @@
           <a:p>
             <a:fld id="{8F4123FD-8503-424E-BB0E-06AF7306D130}" type="datetimeFigureOut">
               <a:rPr lang="it-IT" smtClean="0"/>
-              <a:t>05/07/2022</a:t>
+              <a:t>07/07/2022</a:t>
             </a:fld>
             <a:endParaRPr lang="it-IT"/>
           </a:p>
@@ -2426,7 +2316,7 @@
           <a:p>
             <a:fld id="{8F4123FD-8503-424E-BB0E-06AF7306D130}" type="datetimeFigureOut">
               <a:rPr lang="it-IT" smtClean="0"/>
-              <a:t>05/07/2022</a:t>
+              <a:t>07/07/2022</a:t>
             </a:fld>
             <a:endParaRPr lang="it-IT"/>
           </a:p>
@@ -2624,7 +2514,7 @@
           <a:p>
             <a:fld id="{8F4123FD-8503-424E-BB0E-06AF7306D130}" type="datetimeFigureOut">
               <a:rPr lang="it-IT" smtClean="0"/>
-              <a:t>05/07/2022</a:t>
+              <a:t>07/07/2022</a:t>
             </a:fld>
             <a:endParaRPr lang="it-IT"/>
           </a:p>
@@ -2899,7 +2789,7 @@
           <a:p>
             <a:fld id="{8F4123FD-8503-424E-BB0E-06AF7306D130}" type="datetimeFigureOut">
               <a:rPr lang="it-IT" smtClean="0"/>
-              <a:t>05/07/2022</a:t>
+              <a:t>07/07/2022</a:t>
             </a:fld>
             <a:endParaRPr lang="it-IT"/>
           </a:p>
@@ -3164,7 +3054,7 @@
           <a:p>
             <a:fld id="{8F4123FD-8503-424E-BB0E-06AF7306D130}" type="datetimeFigureOut">
               <a:rPr lang="it-IT" smtClean="0"/>
-              <a:t>05/07/2022</a:t>
+              <a:t>07/07/2022</a:t>
             </a:fld>
             <a:endParaRPr lang="it-IT"/>
           </a:p>
@@ -3576,7 +3466,7 @@
           <a:p>
             <a:fld id="{8F4123FD-8503-424E-BB0E-06AF7306D130}" type="datetimeFigureOut">
               <a:rPr lang="it-IT" smtClean="0"/>
-              <a:t>05/07/2022</a:t>
+              <a:t>07/07/2022</a:t>
             </a:fld>
             <a:endParaRPr lang="it-IT"/>
           </a:p>
@@ -3717,7 +3607,7 @@
           <a:p>
             <a:fld id="{8F4123FD-8503-424E-BB0E-06AF7306D130}" type="datetimeFigureOut">
               <a:rPr lang="it-IT" smtClean="0"/>
-              <a:t>05/07/2022</a:t>
+              <a:t>07/07/2022</a:t>
             </a:fld>
             <a:endParaRPr lang="it-IT"/>
           </a:p>
@@ -3830,7 +3720,7 @@
           <a:p>
             <a:fld id="{8F4123FD-8503-424E-BB0E-06AF7306D130}" type="datetimeFigureOut">
               <a:rPr lang="it-IT" smtClean="0"/>
-              <a:t>05/07/2022</a:t>
+              <a:t>07/07/2022</a:t>
             </a:fld>
             <a:endParaRPr lang="it-IT"/>
           </a:p>
@@ -4141,7 +4031,7 @@
           <a:p>
             <a:fld id="{8F4123FD-8503-424E-BB0E-06AF7306D130}" type="datetimeFigureOut">
               <a:rPr lang="it-IT" smtClean="0"/>
-              <a:t>05/07/2022</a:t>
+              <a:t>07/07/2022</a:t>
             </a:fld>
             <a:endParaRPr lang="it-IT"/>
           </a:p>
@@ -4429,7 +4319,7 @@
           <a:p>
             <a:fld id="{8F4123FD-8503-424E-BB0E-06AF7306D130}" type="datetimeFigureOut">
               <a:rPr lang="it-IT" smtClean="0"/>
-              <a:t>05/07/2022</a:t>
+              <a:t>07/07/2022</a:t>
             </a:fld>
             <a:endParaRPr lang="it-IT"/>
           </a:p>
@@ -4673,7 +4563,7 @@
           <a:p>
             <a:fld id="{8F4123FD-8503-424E-BB0E-06AF7306D130}" type="datetimeFigureOut">
               <a:rPr lang="it-IT" smtClean="0"/>
-              <a:t>05/07/2022</a:t>
+              <a:t>07/07/2022</a:t>
             </a:fld>
             <a:endParaRPr lang="it-IT"/>
           </a:p>
@@ -5493,10 +5383,10 @@
       </p:sp>
       <p:sp>
         <p:nvSpPr>
-          <p:cNvPr id="5" name="Google Shape;57;p13">
+          <p:cNvPr id="4" name="Google Shape;57;p13">
             <a:extLst>
               <a:ext uri="{FF2B5EF4-FFF2-40B4-BE49-F238E27FC236}">
-                <a16:creationId xmlns:a16="http://schemas.microsoft.com/office/drawing/2014/main" id="{2D5B7737-226F-7658-09C0-2E67639BEDBA}"/>
+                <a16:creationId xmlns:a16="http://schemas.microsoft.com/office/drawing/2014/main" id="{FAF5C34B-9692-5A59-7BAB-2C9C6E6D1403}"/>
               </a:ext>
             </a:extLst>
           </p:cNvPr>
@@ -5505,7 +5395,7 @@
         </p:nvSpPr>
         <p:spPr>
           <a:xfrm>
-            <a:off x="4815840" y="4242090"/>
+            <a:off x="2985603" y="2522361"/>
             <a:ext cx="6933194" cy="1231066"/>
           </a:xfrm>
           <a:prstGeom prst="rect">
@@ -5529,298 +5419,7 @@
                 <a:cs typeface="Lora"/>
                 <a:sym typeface="Lora"/>
               </a:rPr>
-              <a:t>3. Controllo sul valore del counter</a:t>
-            </a:r>
-          </a:p>
-          <a:p>
-            <a:r>
-              <a:rPr lang="it-IT" sz="3200" b="1" dirty="0">
-                <a:latin typeface="Lora"/>
-                <a:ea typeface="Lora"/>
-                <a:cs typeface="Lora"/>
-                <a:sym typeface="Lora"/>
-              </a:rPr>
-              <a:t>    (non può essere minore di 0)</a:t>
-            </a:r>
-            <a:endParaRPr sz="3200" b="1" dirty="0">
-              <a:latin typeface="Lora"/>
-              <a:ea typeface="Lora"/>
-              <a:cs typeface="Lora"/>
-              <a:sym typeface="Lora"/>
-            </a:endParaRPr>
-          </a:p>
-        </p:txBody>
-      </p:sp>
-      <p:pic>
-        <p:nvPicPr>
-          <p:cNvPr id="3" name="Immagine 2" descr="Immagine che contiene testo, orologio&#10;&#10;Descrizione generata automaticamente">
-            <a:extLst>
-              <a:ext uri="{FF2B5EF4-FFF2-40B4-BE49-F238E27FC236}">
-                <a16:creationId xmlns:a16="http://schemas.microsoft.com/office/drawing/2014/main" id="{EEBE52ED-1AE3-F040-AAE2-7EA667DA9C01}"/>
-              </a:ext>
-            </a:extLst>
-          </p:cNvPr>
-          <p:cNvPicPr>
-            <a:picLocks noChangeAspect="1"/>
-          </p:cNvPicPr>
-          <p:nvPr/>
-        </p:nvPicPr>
-        <p:blipFill rotWithShape="1">
-          <a:blip r:embed="rId3">
-            <a:extLst>
-              <a:ext uri="{28A0092B-C50C-407E-A947-70E740481C1C}">
-                <a14:useLocalDpi xmlns:a14="http://schemas.microsoft.com/office/drawing/2010/main" val="0"/>
-              </a:ext>
-            </a:extLst>
-          </a:blip>
-          <a:srcRect t="20343"/>
-          <a:stretch/>
-        </p:blipFill>
-        <p:spPr>
-          <a:xfrm>
-            <a:off x="612140" y="1618844"/>
-            <a:ext cx="3756660" cy="2840682"/>
-          </a:xfrm>
-          <a:prstGeom prst="rect">
-            <a:avLst/>
-          </a:prstGeom>
-        </p:spPr>
-      </p:pic>
-      <p:pic>
-        <p:nvPicPr>
-          <p:cNvPr id="9" name="Elemento grafico 8" descr="Chiudi contorno">
-            <a:extLst>
-              <a:ext uri="{FF2B5EF4-FFF2-40B4-BE49-F238E27FC236}">
-                <a16:creationId xmlns:a16="http://schemas.microsoft.com/office/drawing/2014/main" id="{19164FBB-C653-63E5-B341-A58C17479C73}"/>
-              </a:ext>
-            </a:extLst>
-          </p:cNvPr>
-          <p:cNvPicPr>
-            <a:picLocks noChangeAspect="1"/>
-          </p:cNvPicPr>
-          <p:nvPr/>
-        </p:nvPicPr>
-        <p:blipFill>
-          <a:blip r:embed="rId4">
-            <a:extLst>
-              <a:ext uri="{28A0092B-C50C-407E-A947-70E740481C1C}">
-                <a14:useLocalDpi xmlns:a14="http://schemas.microsoft.com/office/drawing/2010/main" val="0"/>
-              </a:ext>
-              <a:ext uri="{96DAC541-7B7A-43D3-8B79-37D633B846F1}">
-                <asvg:svgBlip xmlns:asvg="http://schemas.microsoft.com/office/drawing/2016/SVG/main" r:embed="rId5"/>
-              </a:ext>
-            </a:extLst>
-          </a:blip>
-          <a:stretch>
-            <a:fillRect/>
-          </a:stretch>
-        </p:blipFill>
-        <p:spPr>
-          <a:xfrm>
-            <a:off x="735249" y="1618844"/>
-            <a:ext cx="3510441" cy="3510441"/>
-          </a:xfrm>
-          <a:prstGeom prst="rect">
-            <a:avLst/>
-          </a:prstGeom>
-        </p:spPr>
-      </p:pic>
-    </p:spTree>
-    <p:extLst>
-      <p:ext uri="{BB962C8B-B14F-4D97-AF65-F5344CB8AC3E}">
-        <p14:creationId xmlns:p14="http://schemas.microsoft.com/office/powerpoint/2010/main" val="3670941346"/>
-      </p:ext>
-    </p:extLst>
-  </p:cSld>
-  <p:clrMapOvr>
-    <a:masterClrMapping/>
-  </p:clrMapOvr>
-</p:sld>
-</file>
-
-<file path=ppt/slides/slide11.xml><?xml version="1.0" encoding="utf-8"?>
-<p:sld xmlns:a="http://schemas.openxmlformats.org/drawingml/2006/main" xmlns:r="http://schemas.openxmlformats.org/officeDocument/2006/relationships" xmlns:p="http://schemas.openxmlformats.org/presentationml/2006/main">
-  <p:cSld>
-    <p:spTree>
-      <p:nvGrpSpPr>
-        <p:cNvPr id="1" name="Shape 62"/>
-        <p:cNvGrpSpPr/>
-        <p:nvPr/>
-      </p:nvGrpSpPr>
-      <p:grpSpPr>
-        <a:xfrm>
-          <a:off x="0" y="0"/>
-          <a:ext cx="0" cy="0"/>
-          <a:chOff x="0" y="0"/>
-          <a:chExt cx="0" cy="0"/>
-        </a:xfrm>
-      </p:grpSpPr>
-      <p:sp>
-        <p:nvSpPr>
-          <p:cNvPr id="63" name="Google Shape;63;p14"/>
-          <p:cNvSpPr/>
-          <p:nvPr/>
-        </p:nvSpPr>
-        <p:spPr>
-          <a:xfrm>
-            <a:off x="0" y="6429200"/>
-            <a:ext cx="12192000" cy="428800"/>
-          </a:xfrm>
-          <a:prstGeom prst="round2SameRect">
-            <a:avLst>
-              <a:gd name="adj1" fmla="val 0"/>
-              <a:gd name="adj2" fmla="val 0"/>
-            </a:avLst>
-          </a:prstGeom>
-          <a:solidFill>
-            <a:srgbClr val="6E0707">
-              <a:alpha val="85000"/>
-            </a:srgbClr>
-          </a:solidFill>
-          <a:ln w="9525" cap="flat" cmpd="sng">
-            <a:noFill/>
-            <a:prstDash val="solid"/>
-            <a:round/>
-            <a:headEnd type="none" w="sm" len="sm"/>
-            <a:tailEnd type="none" w="sm" len="sm"/>
-          </a:ln>
-        </p:spPr>
-        <p:txBody>
-          <a:bodyPr spcFirstLastPara="1" wrap="square" lIns="121900" tIns="121900" rIns="121900" bIns="121900" anchor="ctr" anchorCtr="0">
-            <a:noAutofit/>
-          </a:bodyPr>
-          <a:lstStyle/>
-          <a:p>
-            <a:endParaRPr sz="2400"/>
-          </a:p>
-        </p:txBody>
-      </p:sp>
-      <p:sp>
-        <p:nvSpPr>
-          <p:cNvPr id="68" name="Google Shape;68;p14"/>
-          <p:cNvSpPr/>
-          <p:nvPr/>
-        </p:nvSpPr>
-        <p:spPr>
-          <a:xfrm>
-            <a:off x="0" y="0"/>
-            <a:ext cx="12192000" cy="1272400"/>
-          </a:xfrm>
-          <a:prstGeom prst="rect">
-            <a:avLst/>
-          </a:prstGeom>
-          <a:solidFill>
-            <a:srgbClr val="6E0707">
-              <a:alpha val="85000"/>
-            </a:srgbClr>
-          </a:solidFill>
-          <a:ln w="9525" cap="flat" cmpd="sng">
-            <a:noFill/>
-            <a:prstDash val="solid"/>
-            <a:round/>
-            <a:headEnd type="none" w="sm" len="sm"/>
-            <a:tailEnd type="none" w="sm" len="sm"/>
-          </a:ln>
-        </p:spPr>
-        <p:txBody>
-          <a:bodyPr spcFirstLastPara="1" wrap="square" lIns="121900" tIns="121900" rIns="121900" bIns="121900" anchor="ctr" anchorCtr="0">
-            <a:noAutofit/>
-          </a:bodyPr>
-          <a:lstStyle/>
-          <a:p>
-            <a:endParaRPr sz="2400"/>
-          </a:p>
-        </p:txBody>
-      </p:sp>
-      <p:sp>
-        <p:nvSpPr>
-          <p:cNvPr id="69" name="Google Shape;69;p14"/>
-          <p:cNvSpPr txBox="1"/>
-          <p:nvPr/>
-        </p:nvSpPr>
-        <p:spPr>
-          <a:xfrm>
-            <a:off x="492842" y="143777"/>
-            <a:ext cx="5959358" cy="984845"/>
-          </a:xfrm>
-          <a:prstGeom prst="rect">
-            <a:avLst/>
-          </a:prstGeom>
-          <a:noFill/>
-          <a:ln>
-            <a:noFill/>
-          </a:ln>
-        </p:spPr>
-        <p:txBody>
-          <a:bodyPr spcFirstLastPara="1" wrap="square" lIns="121900" tIns="121900" rIns="121900" bIns="121900" anchor="t" anchorCtr="0">
-            <a:spAutoFit/>
-          </a:bodyPr>
-          <a:lstStyle/>
-          <a:p>
-            <a:pPr algn="ctr"/>
-            <a:r>
-              <a:rPr lang="it" sz="4800" b="1" dirty="0">
-                <a:solidFill>
-                  <a:srgbClr val="FAFAFA"/>
-                </a:solidFill>
-                <a:latin typeface="Lora"/>
-                <a:ea typeface="Lora"/>
-                <a:cs typeface="Lora"/>
-                <a:sym typeface="Lora"/>
-              </a:rPr>
-              <a:t>Specifiche tecniche</a:t>
-            </a:r>
-            <a:endParaRPr sz="4800" b="1" dirty="0">
-              <a:solidFill>
-                <a:srgbClr val="FAFAFA"/>
-              </a:solidFill>
-              <a:latin typeface="Lora"/>
-              <a:ea typeface="Lora"/>
-              <a:cs typeface="Lora"/>
-              <a:sym typeface="Lora"/>
-            </a:endParaRPr>
-          </a:p>
-        </p:txBody>
-      </p:sp>
-      <p:sp>
-        <p:nvSpPr>
-          <p:cNvPr id="4" name="Google Shape;57;p13">
-            <a:extLst>
-              <a:ext uri="{FF2B5EF4-FFF2-40B4-BE49-F238E27FC236}">
-                <a16:creationId xmlns:a16="http://schemas.microsoft.com/office/drawing/2014/main" id="{FAF5C34B-9692-5A59-7BAB-2C9C6E6D1403}"/>
-              </a:ext>
-            </a:extLst>
-          </p:cNvPr>
-          <p:cNvSpPr txBox="1"/>
-          <p:nvPr/>
-        </p:nvSpPr>
-        <p:spPr>
-          <a:xfrm>
-            <a:off x="2985603" y="2522361"/>
-            <a:ext cx="6933194" cy="1231066"/>
-          </a:xfrm>
-          <a:prstGeom prst="rect">
-            <a:avLst/>
-          </a:prstGeom>
-          <a:noFill/>
-          <a:ln>
-            <a:noFill/>
-          </a:ln>
-        </p:spPr>
-        <p:txBody>
-          <a:bodyPr spcFirstLastPara="1" wrap="square" lIns="121900" tIns="121900" rIns="121900" bIns="121900" anchor="t" anchorCtr="0">
-            <a:spAutoFit/>
-          </a:bodyPr>
-          <a:lstStyle/>
-          <a:p>
-            <a:r>
-              <a:rPr lang="it-IT" sz="3200" b="1" dirty="0">
-                <a:latin typeface="Lora"/>
-                <a:ea typeface="Lora"/>
-                <a:cs typeface="Lora"/>
-                <a:sym typeface="Lora"/>
-              </a:rPr>
-              <a:t>4. Adattamento grafico in base alla grandezza della finestra</a:t>
+              <a:t>3. Adattamento grafico in base alla grandezza della finestra</a:t>
             </a:r>
             <a:endParaRPr sz="3200" b="1" dirty="0">
               <a:latin typeface="Lora"/>
@@ -5908,7 +5507,7 @@
 </p:sld>
 </file>
 
-<file path=ppt/slides/slide12.xml><?xml version="1.0" encoding="utf-8"?>
+<file path=ppt/slides/slide11.xml><?xml version="1.0" encoding="utf-8"?>
 <p:sld xmlns:a="http://schemas.openxmlformats.org/drawingml/2006/main" xmlns:r="http://schemas.openxmlformats.org/officeDocument/2006/relationships" xmlns:p="http://schemas.openxmlformats.org/presentationml/2006/main">
   <p:cSld>
     <p:spTree>
@@ -6692,7 +6291,7 @@
 </p:sld>
 </file>
 
-<file path=ppt/slides/slide13.xml><?xml version="1.0" encoding="utf-8"?>
+<file path=ppt/slides/slide12.xml><?xml version="1.0" encoding="utf-8"?>
 <p:sld xmlns:a="http://schemas.openxmlformats.org/drawingml/2006/main" xmlns:r="http://schemas.openxmlformats.org/officeDocument/2006/relationships" xmlns:p="http://schemas.openxmlformats.org/presentationml/2006/main">
   <p:cSld>
     <p:spTree>
@@ -9376,10 +8975,10 @@
       </p:sp>
       <p:sp>
         <p:nvSpPr>
-          <p:cNvPr id="4" name="Google Shape;57;p13">
+          <p:cNvPr id="5" name="Google Shape;57;p13">
             <a:extLst>
               <a:ext uri="{FF2B5EF4-FFF2-40B4-BE49-F238E27FC236}">
-                <a16:creationId xmlns:a16="http://schemas.microsoft.com/office/drawing/2014/main" id="{FAF5C34B-9692-5A59-7BAB-2C9C6E6D1403}"/>
+                <a16:creationId xmlns:a16="http://schemas.microsoft.com/office/drawing/2014/main" id="{2D5B7737-226F-7658-09C0-2E67639BEDBA}"/>
               </a:ext>
             </a:extLst>
           </p:cNvPr>
@@ -9388,8 +8987,8 @@
         </p:nvSpPr>
         <p:spPr>
           <a:xfrm>
-            <a:off x="3047281" y="2813467"/>
-            <a:ext cx="6097437" cy="1231066"/>
+            <a:off x="4815840" y="4242090"/>
+            <a:ext cx="6933194" cy="1231066"/>
           </a:xfrm>
           <a:prstGeom prst="rect">
             <a:avLst/>
@@ -9412,20 +9011,10 @@
                 <a:cs typeface="Lora"/>
                 <a:sym typeface="Lora"/>
               </a:rPr>
-              <a:t>2. Controllo sulla </a:t>
-            </a:r>
-            <a:r>
-              <a:rPr lang="it-IT" sz="3200" b="1" dirty="0">
-                <a:solidFill>
-                  <a:srgbClr val="00B050"/>
-                </a:solidFill>
-                <a:latin typeface="Lora"/>
-                <a:ea typeface="Lora"/>
-                <a:cs typeface="Lora"/>
-                <a:sym typeface="Lora"/>
-              </a:rPr>
-              <a:t>tipologia</a:t>
-            </a:r>
+              <a:t>2. Controllo sul valore del counter</a:t>
+            </a:r>
+          </a:p>
+          <a:p>
             <a:r>
               <a:rPr lang="it-IT" sz="3200" b="1" dirty="0">
                 <a:latin typeface="Lora"/>
@@ -9433,25 +9022,7 @@
                 <a:cs typeface="Lora"/>
                 <a:sym typeface="Lora"/>
               </a:rPr>
-              <a:t> del puntatore (Pc o </a:t>
-            </a:r>
-            <a:r>
-              <a:rPr lang="it-IT" sz="3200" b="1" dirty="0" err="1">
-                <a:latin typeface="Lora"/>
-                <a:ea typeface="Lora"/>
-                <a:cs typeface="Lora"/>
-                <a:sym typeface="Lora"/>
-              </a:rPr>
-              <a:t>smarphone</a:t>
-            </a:r>
-            <a:r>
-              <a:rPr lang="it-IT" sz="3200" b="1" dirty="0">
-                <a:latin typeface="Lora"/>
-                <a:ea typeface="Lora"/>
-                <a:cs typeface="Lora"/>
-                <a:sym typeface="Lora"/>
-              </a:rPr>
-              <a:t>)</a:t>
+              <a:t>    (non può essere minore di 0)</a:t>
             </a:r>
             <a:endParaRPr sz="3200" b="1" dirty="0">
               <a:latin typeface="Lora"/>
@@ -9462,10 +9033,84 @@
           </a:p>
         </p:txBody>
       </p:sp>
+      <p:pic>
+        <p:nvPicPr>
+          <p:cNvPr id="3" name="Immagine 2" descr="Immagine che contiene testo, orologio&#10;&#10;Descrizione generata automaticamente">
+            <a:extLst>
+              <a:ext uri="{FF2B5EF4-FFF2-40B4-BE49-F238E27FC236}">
+                <a16:creationId xmlns:a16="http://schemas.microsoft.com/office/drawing/2014/main" id="{EEBE52ED-1AE3-F040-AAE2-7EA667DA9C01}"/>
+              </a:ext>
+            </a:extLst>
+          </p:cNvPr>
+          <p:cNvPicPr>
+            <a:picLocks noChangeAspect="1"/>
+          </p:cNvPicPr>
+          <p:nvPr/>
+        </p:nvPicPr>
+        <p:blipFill rotWithShape="1">
+          <a:blip r:embed="rId3">
+            <a:extLst>
+              <a:ext uri="{28A0092B-C50C-407E-A947-70E740481C1C}">
+                <a14:useLocalDpi xmlns:a14="http://schemas.microsoft.com/office/drawing/2010/main" val="0"/>
+              </a:ext>
+            </a:extLst>
+          </a:blip>
+          <a:srcRect t="20343"/>
+          <a:stretch/>
+        </p:blipFill>
+        <p:spPr>
+          <a:xfrm>
+            <a:off x="612140" y="1618844"/>
+            <a:ext cx="3756660" cy="2840682"/>
+          </a:xfrm>
+          <a:prstGeom prst="rect">
+            <a:avLst/>
+          </a:prstGeom>
+        </p:spPr>
+      </p:pic>
+      <p:pic>
+        <p:nvPicPr>
+          <p:cNvPr id="9" name="Elemento grafico 8" descr="Chiudi contorno">
+            <a:extLst>
+              <a:ext uri="{FF2B5EF4-FFF2-40B4-BE49-F238E27FC236}">
+                <a16:creationId xmlns:a16="http://schemas.microsoft.com/office/drawing/2014/main" id="{19164FBB-C653-63E5-B341-A58C17479C73}"/>
+              </a:ext>
+            </a:extLst>
+          </p:cNvPr>
+          <p:cNvPicPr>
+            <a:picLocks noChangeAspect="1"/>
+          </p:cNvPicPr>
+          <p:nvPr/>
+        </p:nvPicPr>
+        <p:blipFill>
+          <a:blip r:embed="rId4">
+            <a:extLst>
+              <a:ext uri="{28A0092B-C50C-407E-A947-70E740481C1C}">
+                <a14:useLocalDpi xmlns:a14="http://schemas.microsoft.com/office/drawing/2010/main" val="0"/>
+              </a:ext>
+              <a:ext uri="{96DAC541-7B7A-43D3-8B79-37D633B846F1}">
+                <asvg:svgBlip xmlns:asvg="http://schemas.microsoft.com/office/drawing/2016/SVG/main" r:embed="rId5"/>
+              </a:ext>
+            </a:extLst>
+          </a:blip>
+          <a:stretch>
+            <a:fillRect/>
+          </a:stretch>
+        </p:blipFill>
+        <p:spPr>
+          <a:xfrm>
+            <a:off x="735249" y="1618844"/>
+            <a:ext cx="3510441" cy="3510441"/>
+          </a:xfrm>
+          <a:prstGeom prst="rect">
+            <a:avLst/>
+          </a:prstGeom>
+        </p:spPr>
+      </p:pic>
     </p:spTree>
     <p:extLst>
       <p:ext uri="{BB962C8B-B14F-4D97-AF65-F5344CB8AC3E}">
-        <p14:creationId xmlns:p14="http://schemas.microsoft.com/office/powerpoint/2010/main" val="195826422"/>
+        <p14:creationId xmlns:p14="http://schemas.microsoft.com/office/powerpoint/2010/main" val="3670941346"/>
       </p:ext>
     </p:extLst>
   </p:cSld>
